--- a/images/cabezote.pptx
+++ b/images/cabezote.pptx
@@ -3170,8 +3170,8 @@
                 <a:ln>
                   <a:solidFill>
                     <a:schemeClr val="tx1">
-                      <a:lumMod val="65000"/>
-                      <a:lumOff val="35000"/>
+                      <a:lumMod val="95000"/>
+                      <a:lumOff val="5000"/>
                     </a:schemeClr>
                   </a:solidFill>
                 </a:ln>
@@ -3193,8 +3193,8 @@
                 <a:ln>
                   <a:solidFill>
                     <a:schemeClr val="tx1">
-                      <a:lumMod val="65000"/>
-                      <a:lumOff val="35000"/>
+                      <a:lumMod val="95000"/>
+                      <a:lumOff val="5000"/>
                     </a:schemeClr>
                   </a:solidFill>
                 </a:ln>
@@ -3218,8 +3218,8 @@
               <a:ln>
                 <a:solidFill>
                   <a:schemeClr val="tx1">
-                    <a:lumMod val="65000"/>
-                    <a:lumOff val="35000"/>
+                    <a:lumMod val="95000"/>
+                    <a:lumOff val="5000"/>
                   </a:schemeClr>
                 </a:solidFill>
               </a:ln>
@@ -3242,8 +3242,8 @@
                 <a:ln>
                   <a:solidFill>
                     <a:schemeClr val="tx1">
-                      <a:lumMod val="65000"/>
-                      <a:lumOff val="35000"/>
+                      <a:lumMod val="95000"/>
+                      <a:lumOff val="5000"/>
                     </a:schemeClr>
                   </a:solidFill>
                 </a:ln>
@@ -3265,8 +3265,8 @@
                 <a:ln>
                   <a:solidFill>
                     <a:schemeClr val="tx1">
-                      <a:lumMod val="65000"/>
-                      <a:lumOff val="35000"/>
+                      <a:lumMod val="95000"/>
+                      <a:lumOff val="5000"/>
                     </a:schemeClr>
                   </a:solidFill>
                 </a:ln>
@@ -3287,8 +3287,8 @@
               <a:ln>
                 <a:solidFill>
                   <a:schemeClr val="tx1">
-                    <a:lumMod val="65000"/>
-                    <a:lumOff val="35000"/>
+                    <a:lumMod val="95000"/>
+                    <a:lumOff val="5000"/>
                   </a:schemeClr>
                 </a:solidFill>
               </a:ln>

--- a/images/cabezote.pptx
+++ b/images/cabezote.pptx
@@ -3110,6 +3110,9 @@
                 <a14:imgProps xmlns:a14="http://schemas.microsoft.com/office/drawing/2010/main">
                   <a14:imgLayer r:embed="rId3">
                     <a14:imgEffect>
+                      <a14:sharpenSoften amount="-50000"/>
+                    </a14:imgEffect>
+                    <a14:imgEffect>
                       <a14:saturation sat="0"/>
                     </a14:imgEffect>
                   </a14:imgLayer>
@@ -3167,7 +3170,7 @@
             <a:pPr algn="ctr"/>
             <a:r>
               <a:rPr lang="en-US" sz="4400" dirty="0">
-                <a:ln>
+                <a:ln w="19050">
                   <a:solidFill>
                     <a:schemeClr val="tx1">
                       <a:lumMod val="95000"/>
@@ -3179,18 +3182,18 @@
                   <a:schemeClr val="bg1"/>
                 </a:solidFill>
                 <a:effectLst>
-                  <a:outerShdw blurRad="38100" dist="38100" dir="2700000" algn="tl">
-                    <a:srgbClr val="000000">
-                      <a:alpha val="43137"/>
-                    </a:srgbClr>
-                  </a:outerShdw>
+                  <a:innerShdw blurRad="63500" dist="50800" dir="13500000">
+                    <a:prstClr val="black">
+                      <a:alpha val="50000"/>
+                    </a:prstClr>
+                  </a:innerShdw>
                 </a:effectLst>
               </a:rPr>
               <a:t>“Writing is thinking. To write well is to think clearly. That's why it's so hard</a:t>
             </a:r>
             <a:r>
               <a:rPr lang="en-US" sz="4400" dirty="0" smtClean="0">
-                <a:ln>
+                <a:ln w="19050">
                   <a:solidFill>
                     <a:schemeClr val="tx1">
                       <a:lumMod val="95000"/>
@@ -3202,11 +3205,11 @@
                   <a:schemeClr val="bg1"/>
                 </a:solidFill>
                 <a:effectLst>
-                  <a:outerShdw blurRad="38100" dist="38100" dir="2700000" algn="tl">
-                    <a:srgbClr val="000000">
-                      <a:alpha val="43137"/>
-                    </a:srgbClr>
-                  </a:outerShdw>
+                  <a:innerShdw blurRad="63500" dist="50800" dir="13500000">
+                    <a:prstClr val="black">
+                      <a:alpha val="50000"/>
+                    </a:prstClr>
+                  </a:innerShdw>
                 </a:effectLst>
               </a:rPr>
               <a:t>.“</a:t>
@@ -3215,7 +3218,7 @@
           <a:p>
             <a:pPr algn="ctr"/>
             <a:endParaRPr lang="en-US" sz="4400" dirty="0">
-              <a:ln>
+              <a:ln w="19050">
                 <a:solidFill>
                   <a:schemeClr val="tx1">
                     <a:lumMod val="95000"/>
@@ -3227,11 +3230,11 @@
                 <a:schemeClr val="bg1"/>
               </a:solidFill>
               <a:effectLst>
-                <a:outerShdw blurRad="38100" dist="38100" dir="2700000" algn="tl">
-                  <a:srgbClr val="000000">
-                    <a:alpha val="43137"/>
-                  </a:srgbClr>
-                </a:outerShdw>
+                <a:innerShdw blurRad="63500" dist="50800" dir="13500000">
+                  <a:prstClr val="black">
+                    <a:alpha val="50000"/>
+                  </a:prstClr>
+                </a:innerShdw>
               </a:effectLst>
             </a:endParaRPr>
           </a:p>
@@ -3239,7 +3242,7 @@
             <a:pPr algn="ctr"/>
             <a:r>
               <a:rPr lang="pt-BR" sz="4400" dirty="0">
-                <a:ln>
+                <a:ln w="19050">
                   <a:solidFill>
                     <a:schemeClr val="tx1">
                       <a:lumMod val="95000"/>
@@ -3251,18 +3254,18 @@
                   <a:schemeClr val="bg1"/>
                 </a:solidFill>
                 <a:effectLst>
-                  <a:outerShdw blurRad="38100" dist="38100" dir="2700000" algn="tl">
-                    <a:srgbClr val="000000">
-                      <a:alpha val="43137"/>
-                    </a:srgbClr>
-                  </a:outerShdw>
+                  <a:innerShdw blurRad="63500" dist="50800" dir="13500000">
+                    <a:prstClr val="black">
+                      <a:alpha val="50000"/>
+                    </a:prstClr>
+                  </a:innerShdw>
                 </a:effectLst>
               </a:rPr>
               <a:t>David </a:t>
             </a:r>
             <a:r>
               <a:rPr lang="pt-BR" sz="4400" dirty="0" err="1">
-                <a:ln>
+                <a:ln w="19050">
                   <a:solidFill>
                     <a:schemeClr val="tx1">
                       <a:lumMod val="95000"/>
@@ -3274,17 +3277,17 @@
                   <a:schemeClr val="bg1"/>
                 </a:solidFill>
                 <a:effectLst>
-                  <a:outerShdw blurRad="38100" dist="38100" dir="2700000" algn="tl">
-                    <a:srgbClr val="000000">
-                      <a:alpha val="43137"/>
-                    </a:srgbClr>
-                  </a:outerShdw>
+                  <a:innerShdw blurRad="63500" dist="50800" dir="13500000">
+                    <a:prstClr val="black">
+                      <a:alpha val="50000"/>
+                    </a:prstClr>
+                  </a:innerShdw>
                 </a:effectLst>
               </a:rPr>
               <a:t>McCullough</a:t>
             </a:r>
             <a:endParaRPr lang="en-US" sz="4400" dirty="0">
-              <a:ln>
+              <a:ln w="19050">
                 <a:solidFill>
                   <a:schemeClr val="tx1">
                     <a:lumMod val="95000"/>
@@ -3296,11 +3299,11 @@
                 <a:schemeClr val="bg1"/>
               </a:solidFill>
               <a:effectLst>
-                <a:outerShdw blurRad="38100" dist="38100" dir="2700000" algn="tl">
-                  <a:srgbClr val="000000">
-                    <a:alpha val="43137"/>
-                  </a:srgbClr>
-                </a:outerShdw>
+                <a:innerShdw blurRad="63500" dist="50800" dir="13500000">
+                  <a:prstClr val="black">
+                    <a:alpha val="50000"/>
+                  </a:prstClr>
+                </a:innerShdw>
               </a:effectLst>
             </a:endParaRPr>
           </a:p>
